--- a/Calendario2024/Presentaciones/6_RedesInalambricas.pptx
+++ b/Calendario2024/Presentaciones/6_RedesInalambricas.pptx
@@ -232,7 +232,7 @@
           <a:p>
             <a:fld id="{CFD15F0F-6D28-499C-8425-A9347399C9A5}" type="datetimeFigureOut">
               <a:rPr lang="es-MX" smtClean="0"/>
-              <a:t>14/02/2024</a:t>
+              <a:t>15/02/2024</a:t>
             </a:fld>
             <a:endParaRPr lang="es-MX" dirty="0"/>
           </a:p>
@@ -397,7 +397,7 @@
           <a:p>
             <a:fld id="{2D445F07-8756-451B-A938-0248325FC7BB}" type="datetimeFigureOut">
               <a:rPr lang="es-MX" smtClean="0"/>
-              <a:t>14/02/2024</a:t>
+              <a:t>15/02/2024</a:t>
             </a:fld>
             <a:endParaRPr lang="es-MX" dirty="0"/>
           </a:p>
@@ -2418,7 +2418,7 @@
           <a:p>
             <a:fld id="{5E75A0DC-66C6-4CEC-A5EB-F8C97CEC3796}" type="datetimeFigureOut">
               <a:rPr lang="es-MX" smtClean="0"/>
-              <a:t>14/02/2024</a:t>
+              <a:t>15/02/2024</a:t>
             </a:fld>
             <a:endParaRPr lang="es-MX" dirty="0"/>
           </a:p>
@@ -2588,7 +2588,7 @@
           <a:p>
             <a:fld id="{5E75A0DC-66C6-4CEC-A5EB-F8C97CEC3796}" type="datetimeFigureOut">
               <a:rPr lang="es-MX" smtClean="0"/>
-              <a:t>14/02/2024</a:t>
+              <a:t>15/02/2024</a:t>
             </a:fld>
             <a:endParaRPr lang="es-MX" dirty="0"/>
           </a:p>
@@ -2768,7 +2768,7 @@
           <a:p>
             <a:fld id="{5E75A0DC-66C6-4CEC-A5EB-F8C97CEC3796}" type="datetimeFigureOut">
               <a:rPr lang="es-MX" smtClean="0"/>
-              <a:t>14/02/2024</a:t>
+              <a:t>15/02/2024</a:t>
             </a:fld>
             <a:endParaRPr lang="es-MX" dirty="0"/>
           </a:p>
@@ -3243,7 +3243,7 @@
           <a:p>
             <a:fld id="{5E75A0DC-66C6-4CEC-A5EB-F8C97CEC3796}" type="datetimeFigureOut">
               <a:rPr lang="es-MX" smtClean="0"/>
-              <a:t>14/02/2024</a:t>
+              <a:t>15/02/2024</a:t>
             </a:fld>
             <a:endParaRPr lang="es-MX" dirty="0"/>
           </a:p>
@@ -3489,7 +3489,7 @@
           <a:p>
             <a:fld id="{5E75A0DC-66C6-4CEC-A5EB-F8C97CEC3796}" type="datetimeFigureOut">
               <a:rPr lang="es-MX" smtClean="0"/>
-              <a:t>14/02/2024</a:t>
+              <a:t>15/02/2024</a:t>
             </a:fld>
             <a:endParaRPr lang="es-MX" dirty="0"/>
           </a:p>
@@ -3777,7 +3777,7 @@
           <a:p>
             <a:fld id="{5E75A0DC-66C6-4CEC-A5EB-F8C97CEC3796}" type="datetimeFigureOut">
               <a:rPr lang="es-MX" smtClean="0"/>
-              <a:t>14/02/2024</a:t>
+              <a:t>15/02/2024</a:t>
             </a:fld>
             <a:endParaRPr lang="es-MX" dirty="0"/>
           </a:p>
@@ -4199,7 +4199,7 @@
           <a:p>
             <a:fld id="{5E75A0DC-66C6-4CEC-A5EB-F8C97CEC3796}" type="datetimeFigureOut">
               <a:rPr lang="es-MX" smtClean="0"/>
-              <a:t>14/02/2024</a:t>
+              <a:t>15/02/2024</a:t>
             </a:fld>
             <a:endParaRPr lang="es-MX" dirty="0"/>
           </a:p>
@@ -4317,7 +4317,7 @@
           <a:p>
             <a:fld id="{5E75A0DC-66C6-4CEC-A5EB-F8C97CEC3796}" type="datetimeFigureOut">
               <a:rPr lang="es-MX" smtClean="0"/>
-              <a:t>14/02/2024</a:t>
+              <a:t>15/02/2024</a:t>
             </a:fld>
             <a:endParaRPr lang="es-MX" dirty="0"/>
           </a:p>
@@ -4412,7 +4412,7 @@
           <a:p>
             <a:fld id="{5E75A0DC-66C6-4CEC-A5EB-F8C97CEC3796}" type="datetimeFigureOut">
               <a:rPr lang="es-MX" smtClean="0"/>
-              <a:t>14/02/2024</a:t>
+              <a:t>15/02/2024</a:t>
             </a:fld>
             <a:endParaRPr lang="es-MX" dirty="0"/>
           </a:p>
@@ -4689,7 +4689,7 @@
           <a:p>
             <a:fld id="{5E75A0DC-66C6-4CEC-A5EB-F8C97CEC3796}" type="datetimeFigureOut">
               <a:rPr lang="es-MX" smtClean="0"/>
-              <a:t>14/02/2024</a:t>
+              <a:t>15/02/2024</a:t>
             </a:fld>
             <a:endParaRPr lang="es-MX" dirty="0"/>
           </a:p>
@@ -4942,7 +4942,7 @@
           <a:p>
             <a:fld id="{5E75A0DC-66C6-4CEC-A5EB-F8C97CEC3796}" type="datetimeFigureOut">
               <a:rPr lang="es-MX" smtClean="0"/>
-              <a:t>14/02/2024</a:t>
+              <a:t>15/02/2024</a:t>
             </a:fld>
             <a:endParaRPr lang="es-MX" dirty="0"/>
           </a:p>
@@ -5155,7 +5155,7 @@
           <a:p>
             <a:fld id="{5E75A0DC-66C6-4CEC-A5EB-F8C97CEC3796}" type="datetimeFigureOut">
               <a:rPr lang="es-MX" smtClean="0"/>
-              <a:t>14/02/2024</a:t>
+              <a:t>15/02/2024</a:t>
             </a:fld>
             <a:endParaRPr lang="es-MX" dirty="0"/>
           </a:p>
@@ -8381,7 +8381,7 @@
             </a:r>
             <a:r>
               <a:rPr lang="es-MX" sz="1600" dirty="0"/>
-              <a:t>que opera desde los 2.484 MHz hasta los 2.495 MHz</a:t>
+              <a:t>que opera desde los 2.484 GHz hasta los 2.495 GHz.</a:t>
             </a:r>
           </a:p>
           <a:p>
